--- a/L13.pptx
+++ b/L13.pptx
@@ -198,7 +198,7 @@
           <a:p>
             <a:fld id="{0BAAC053-2B7B-EB46-8806-5FB9B970AF34}" type="datetimeFigureOut">
               <a:rPr lang="en-US" smtClean="0"/>
-              <a:t>12/30/23</a:t>
+              <a:t>1/8/24</a:t>
             </a:fld>
             <a:endParaRPr lang="en-US"/>
           </a:p>
@@ -612,7 +612,7 @@
           <a:p>
             <a:fld id="{C7A15469-0524-8F4F-9E12-76BE9BAEC418}" type="datetime1">
               <a:rPr lang="en-CA" smtClean="0"/>
-              <a:t>2023-12-30</a:t>
+              <a:t>2024-01-08</a:t>
             </a:fld>
             <a:endParaRPr lang="en-US"/>
           </a:p>
@@ -1069,7 +1069,7 @@
           <a:p>
             <a:fld id="{251F351B-3C41-6C46-A5F1-3CA0D762442A}" type="datetime1">
               <a:rPr lang="en-CA" smtClean="0"/>
-              <a:t>2023-12-30</a:t>
+              <a:t>2024-01-08</a:t>
             </a:fld>
             <a:endParaRPr lang="en-US"/>
           </a:p>
@@ -1356,7 +1356,7 @@
           <a:p>
             <a:fld id="{D301FFEF-BC07-6945-8DF9-83389C94DF56}" type="datetime1">
               <a:rPr lang="en-CA" smtClean="0"/>
-              <a:t>2023-12-30</a:t>
+              <a:t>2024-01-08</a:t>
             </a:fld>
             <a:endParaRPr lang="en-US"/>
           </a:p>
@@ -1818,7 +1818,7 @@
           <a:p>
             <a:fld id="{3155D33B-FEF6-E34F-9240-CA7C515C6240}" type="datetime1">
               <a:rPr lang="en-CA" smtClean="0"/>
-              <a:t>2023-12-30</a:t>
+              <a:t>2024-01-08</a:t>
             </a:fld>
             <a:endParaRPr lang="en-US"/>
           </a:p>
@@ -2014,7 +2014,7 @@
           <a:p>
             <a:fld id="{9A561D02-7E11-1544-897F-A30819BC8F60}" type="datetime1">
               <a:rPr lang="en-CA" smtClean="0"/>
-              <a:t>2023-12-30</a:t>
+              <a:t>2024-01-08</a:t>
             </a:fld>
             <a:endParaRPr lang="en-US"/>
           </a:p>
@@ -2210,7 +2210,7 @@
           <a:p>
             <a:fld id="{00E961B8-A498-DA41-8388-3640B039A975}" type="datetime1">
               <a:rPr lang="en-CA" smtClean="0"/>
-              <a:t>2023-12-30</a:t>
+              <a:t>2024-01-08</a:t>
             </a:fld>
             <a:endParaRPr lang="en-US"/>
           </a:p>
@@ -2501,7 +2501,7 @@
           <a:p>
             <a:fld id="{0C46C317-5B29-6F48-A50A-672AEB20555B}" type="datetime1">
               <a:rPr lang="en-CA" smtClean="0"/>
-              <a:t>2023-12-30</a:t>
+              <a:t>2024-01-08</a:t>
             </a:fld>
             <a:endParaRPr lang="en-US"/>
           </a:p>
@@ -2942,7 +2942,7 @@
           <a:p>
             <a:r>
               <a:rPr lang="en-US" dirty="0"/>
-              <a:t>Lecture 13:LLM Compression</a:t>
+              <a:t>Lecture 13:LLM Inference</a:t>
             </a:r>
           </a:p>
         </p:txBody>
@@ -2998,7 +2998,7 @@
           <a:p>
             <a:fld id="{EFF2884E-48B2-1441-B188-EF9645BFD4B8}" type="datetime1">
               <a:rPr lang="en-CA" smtClean="0"/>
-              <a:t>2023-12-30</a:t>
+              <a:t>2024-01-08</a:t>
             </a:fld>
             <a:endParaRPr lang="en-US"/>
           </a:p>
@@ -3142,50 +3142,52 @@
           <a:p>
             <a:r>
               <a:rPr lang="en-US" dirty="0"/>
-              <a:t>General Model Compression Strategy</a:t>
+              <a:t>What are the bottleneck of LLM inference</a:t>
             </a:r>
           </a:p>
           <a:p>
             <a:pPr lvl="1"/>
             <a:r>
               <a:rPr lang="en-US" dirty="0"/>
-              <a:t>Deep Compression	</a:t>
-            </a:r>
-          </a:p>
-          <a:p>
-            <a:pPr marL="0" indent="0">
-              <a:buNone/>
-            </a:pPr>
+              <a:t>Patience-based inference</a:t>
+            </a:r>
+          </a:p>
+          <a:p>
+            <a:pPr lvl="1"/>
+            <a:r>
+              <a:rPr lang="en-US" dirty="0"/>
+              <a:t>Speculative Decoding</a:t>
+            </a:r>
+          </a:p>
+          <a:p>
+            <a:pPr lvl="1"/>
+            <a:r>
+              <a:rPr lang="en-US" dirty="0"/>
+              <a:t>How to deal with long context</a:t>
+            </a:r>
+          </a:p>
+          <a:p>
             <a:endParaRPr lang="en-US" dirty="0"/>
           </a:p>
           <a:p>
             <a:r>
               <a:rPr lang="en-US" dirty="0"/>
-              <a:t>LLM: Compressing weights, optimizer state, gradient</a:t>
+              <a:t>Low-level attention optimization</a:t>
             </a:r>
           </a:p>
           <a:p>
             <a:pPr lvl="1"/>
             <a:r>
               <a:rPr lang="en-US" dirty="0"/>
-              <a:t>ZERO</a:t>
+              <a:t>Paged Attention</a:t>
             </a:r>
           </a:p>
           <a:p>
             <a:pPr lvl="1"/>
             <a:r>
-              <a:rPr lang="en-US" dirty="0" err="1"/>
-              <a:t>Bitsandbytes</a:t>
-            </a:r>
-            <a:endParaRPr lang="en-US" dirty="0"/>
-          </a:p>
-          <a:p>
-            <a:pPr lvl="1"/>
-            <a:r>
-              <a:rPr lang="en-US" dirty="0" err="1"/>
-              <a:t>BitNet</a:t>
-            </a:r>
-            <a:endParaRPr lang="en-US" dirty="0"/>
+              <a:rPr lang="en-US" dirty="0"/>
+              <a:t>Flash Decoding</a:t>
+            </a:r>
           </a:p>
           <a:p>
             <a:endParaRPr lang="en-US" dirty="0"/>
@@ -3218,7 +3220,7 @@
           <a:p>
             <a:fld id="{251F351B-3C41-6C46-A5F1-3CA0D762442A}" type="datetime1">
               <a:rPr lang="en-CA" smtClean="0"/>
-              <a:t>2023-12-30</a:t>
+              <a:t>2024-01-08</a:t>
             </a:fld>
             <a:endParaRPr lang="en-US"/>
           </a:p>
